--- a/PsLove dataset analyzation.pptx
+++ b/PsLove dataset analyzation.pptx
@@ -11,6 +11,7 @@
     <p:sldId id="260" r:id="rId5"/>
     <p:sldId id="262" r:id="rId6"/>
     <p:sldId id="261" r:id="rId7"/>
+    <p:sldId id="263" r:id="rId8"/>
   </p:sldIdLst>
   <p:sldSz cx="12192000" cy="6858000"/>
   <p:notesSz cx="6858000" cy="9144000"/>
@@ -4362,12 +4363,6 @@
             <a:pPr marL="914400" lvl="2" indent="0">
               <a:buNone/>
             </a:pPr>
-            <a:endParaRPr lang="en-US" sz="2400" b="1" dirty="0" smtClean="0"/>
-          </a:p>
-          <a:p>
-            <a:pPr marL="914400" lvl="2" indent="0">
-              <a:buNone/>
-            </a:pPr>
             <a:r>
               <a:rPr lang="en-US" sz="2400" b="1" dirty="0" smtClean="0"/>
               <a:t>*Expected next Period Date will be predicted Like this*</a:t>
@@ -4640,6 +4635,112 @@
     <p:extLst>
       <p:ext uri="{BB962C8B-B14F-4D97-AF65-F5344CB8AC3E}">
         <p14:creationId xmlns:p14="http://schemas.microsoft.com/office/powerpoint/2010/main" val="3663692119"/>
+      </p:ext>
+    </p:extLst>
+  </p:cSld>
+  <p:clrMapOvr>
+    <a:masterClrMapping/>
+  </p:clrMapOvr>
+</p:sld>
+</file>
+
+<file path=ppt/slides/slide7.xml><?xml version="1.0" encoding="utf-8"?>
+<p:sld xmlns:a="http://schemas.openxmlformats.org/drawingml/2006/main" xmlns:r="http://schemas.openxmlformats.org/officeDocument/2006/relationships" xmlns:p="http://schemas.openxmlformats.org/presentationml/2006/main">
+  <p:cSld>
+    <p:spTree>
+      <p:nvGrpSpPr>
+        <p:cNvPr id="1" name=""/>
+        <p:cNvGrpSpPr/>
+        <p:nvPr/>
+      </p:nvGrpSpPr>
+      <p:grpSpPr>
+        <a:xfrm>
+          <a:off x="0" y="0"/>
+          <a:ext cx="0" cy="0"/>
+          <a:chOff x="0" y="0"/>
+          <a:chExt cx="0" cy="0"/>
+        </a:xfrm>
+      </p:grpSpPr>
+      <p:sp>
+        <p:nvSpPr>
+          <p:cNvPr id="2" name="Title 1"/>
+          <p:cNvSpPr>
+            <a:spLocks noGrp="1"/>
+          </p:cNvSpPr>
+          <p:nvPr>
+            <p:ph type="title"/>
+          </p:nvPr>
+        </p:nvSpPr>
+        <p:spPr/>
+        <p:txBody>
+          <a:bodyPr/>
+          <a:lstStyle/>
+          <a:p>
+            <a:r>
+              <a:rPr lang="en-US" dirty="0" smtClean="0"/>
+              <a:t>symptoms</a:t>
+            </a:r>
+            <a:endParaRPr lang="en-US" dirty="0"/>
+          </a:p>
+        </p:txBody>
+      </p:sp>
+      <p:sp>
+        <p:nvSpPr>
+          <p:cNvPr id="3" name="Content Placeholder 2"/>
+          <p:cNvSpPr>
+            <a:spLocks noGrp="1"/>
+          </p:cNvSpPr>
+          <p:nvPr>
+            <p:ph idx="1"/>
+          </p:nvPr>
+        </p:nvSpPr>
+        <p:spPr/>
+        <p:txBody>
+          <a:bodyPr/>
+          <a:lstStyle/>
+          <a:p>
+            <a:r>
+              <a:rPr lang="en-US" b="1" dirty="0" smtClean="0"/>
+              <a:t>Based on Correlation matrix and </a:t>
+            </a:r>
+            <a:r>
+              <a:rPr lang="en-US" b="1" dirty="0" err="1" smtClean="0"/>
+              <a:t>pca</a:t>
+            </a:r>
+            <a:endParaRPr lang="en-US" b="1" dirty="0" smtClean="0"/>
+          </a:p>
+          <a:p>
+            <a:pPr lvl="1"/>
+            <a:r>
+              <a:rPr lang="en-US" dirty="0" smtClean="0"/>
+              <a:t>highly </a:t>
+            </a:r>
+            <a:r>
+              <a:rPr lang="en-US" dirty="0"/>
+              <a:t>correlated columns are</a:t>
+            </a:r>
+            <a:r>
+              <a:rPr lang="en-US" b="1" dirty="0"/>
+              <a:t>: "backache ,</a:t>
+            </a:r>
+            <a:r>
+              <a:rPr lang="en-US" b="1" dirty="0" err="1"/>
+              <a:t>bloating,dizzy</a:t>
+            </a:r>
+            <a:r>
+              <a:rPr lang="en-US" b="1" dirty="0"/>
+              <a:t>"</a:t>
+            </a:r>
+          </a:p>
+          <a:p>
+            <a:endParaRPr lang="en-US" dirty="0"/>
+          </a:p>
+        </p:txBody>
+      </p:sp>
+    </p:spTree>
+    <p:extLst>
+      <p:ext uri="{BB962C8B-B14F-4D97-AF65-F5344CB8AC3E}">
+        <p14:creationId xmlns:p14="http://schemas.microsoft.com/office/powerpoint/2010/main" val="5052652"/>
       </p:ext>
     </p:extLst>
   </p:cSld>

--- a/PsLove dataset analyzation.pptx
+++ b/PsLove dataset analyzation.pptx
@@ -9,9 +9,9 @@
     <p:sldId id="257" r:id="rId3"/>
     <p:sldId id="258" r:id="rId4"/>
     <p:sldId id="260" r:id="rId5"/>
-    <p:sldId id="262" r:id="rId6"/>
-    <p:sldId id="261" r:id="rId7"/>
-    <p:sldId id="263" r:id="rId8"/>
+    <p:sldId id="261" r:id="rId6"/>
+    <p:sldId id="263" r:id="rId7"/>
+    <p:sldId id="264" r:id="rId8"/>
   </p:sldIdLst>
   <p:sldSz cx="12192000" cy="6858000"/>
   <p:notesSz cx="6858000" cy="9144000"/>
@@ -4244,6 +4244,46 @@
       </p:grpSpPr>
       <p:sp>
         <p:nvSpPr>
+          <p:cNvPr id="8" name="Rectangle 7"/>
+          <p:cNvSpPr/>
+          <p:nvPr/>
+        </p:nvSpPr>
+        <p:spPr>
+          <a:xfrm>
+            <a:off x="5634681" y="1853754"/>
+            <a:ext cx="5263978" cy="654668"/>
+          </a:xfrm>
+          <a:prstGeom prst="rect">
+            <a:avLst/>
+          </a:prstGeom>
+        </p:spPr>
+        <p:style>
+          <a:lnRef idx="2">
+            <a:schemeClr val="accent1">
+              <a:shade val="50000"/>
+            </a:schemeClr>
+          </a:lnRef>
+          <a:fillRef idx="1">
+            <a:schemeClr val="accent1"/>
+          </a:fillRef>
+          <a:effectRef idx="0">
+            <a:schemeClr val="accent1"/>
+          </a:effectRef>
+          <a:fontRef idx="minor">
+            <a:schemeClr val="lt1"/>
+          </a:fontRef>
+        </p:style>
+        <p:txBody>
+          <a:bodyPr rtlCol="0" anchor="ctr"/>
+          <a:lstStyle/>
+          <a:p>
+            <a:pPr algn="ctr"/>
+            <a:endParaRPr lang="en-US"/>
+          </a:p>
+        </p:txBody>
+      </p:sp>
+      <p:sp>
+        <p:nvSpPr>
           <p:cNvPr id="2" name="Title 1"/>
           <p:cNvSpPr>
             <a:spLocks noGrp="1"/>
@@ -4259,7 +4299,7 @@
           <a:p>
             <a:r>
               <a:rPr lang="en-US" dirty="0" smtClean="0"/>
-              <a:t>Calculations</a:t>
+              <a:t>Most common occurring Symptoms</a:t>
             </a:r>
             <a:endParaRPr lang="en-US" dirty="0"/>
           </a:p>
@@ -4275,110 +4315,160 @@
             <p:ph idx="1"/>
           </p:nvPr>
         </p:nvSpPr>
-        <p:spPr/>
-        <p:txBody>
-          <a:bodyPr/>
-          <a:lstStyle/>
-          <a:p>
-            <a:r>
-              <a:rPr lang="en-US" dirty="0" err="1" smtClean="0"/>
-              <a:t>Total_count</a:t>
-            </a:r>
-            <a:r>
-              <a:rPr lang="en-US" dirty="0" smtClean="0"/>
-              <a:t> = </a:t>
-            </a:r>
-          </a:p>
-          <a:p>
-            <a:pPr lvl="2"/>
-            <a:r>
-              <a:rPr lang="en-US" dirty="0" smtClean="0"/>
-              <a:t>(</a:t>
-            </a:r>
-            <a:r>
-              <a:rPr lang="en-US" dirty="0" err="1" smtClean="0"/>
-              <a:t>Average_cycle_length</a:t>
-            </a:r>
-            <a:r>
-              <a:rPr lang="en-US" dirty="0" smtClean="0"/>
-              <a:t>) – ((“</a:t>
-            </a:r>
-            <a:r>
-              <a:rPr lang="en-US" dirty="0" err="1" smtClean="0"/>
-              <a:t>End_date</a:t>
-            </a:r>
-            <a:r>
-              <a:rPr lang="en-US" dirty="0" smtClean="0"/>
-              <a:t>” of the period)  -  (“</a:t>
-            </a:r>
-            <a:r>
-              <a:rPr lang="en-US" dirty="0" err="1" smtClean="0"/>
-              <a:t>Start_date</a:t>
-            </a:r>
-            <a:r>
-              <a:rPr lang="en-US" dirty="0" smtClean="0"/>
-              <a:t>” of the Period))</a:t>
-            </a:r>
-          </a:p>
-          <a:p>
-            <a:r>
-              <a:rPr lang="en-US" dirty="0" err="1" smtClean="0"/>
-              <a:t>Expected_date</a:t>
-            </a:r>
-            <a:r>
-              <a:rPr lang="en-US" dirty="0" smtClean="0"/>
-              <a:t> = </a:t>
-            </a:r>
-          </a:p>
-          <a:p>
-            <a:pPr lvl="2"/>
-            <a:r>
-              <a:rPr lang="en-US" dirty="0" smtClean="0"/>
-              <a:t>(</a:t>
-            </a:r>
-            <a:r>
-              <a:rPr lang="en-US" dirty="0" err="1" smtClean="0"/>
-              <a:t>End_date</a:t>
-            </a:r>
-            <a:r>
-              <a:rPr lang="en-US" dirty="0" smtClean="0"/>
-              <a:t>)+(</a:t>
-            </a:r>
-            <a:r>
-              <a:rPr lang="en-US" dirty="0" err="1" smtClean="0"/>
-              <a:t>Total_count</a:t>
-            </a:r>
-            <a:r>
-              <a:rPr lang="en-US" dirty="0" smtClean="0"/>
-              <a:t>)</a:t>
-            </a:r>
-          </a:p>
-          <a:p>
-            <a:pPr marL="914400" lvl="2" indent="0">
-              <a:buNone/>
-            </a:pPr>
-            <a:endParaRPr lang="en-US" dirty="0" smtClean="0"/>
-          </a:p>
-          <a:p>
-            <a:pPr marL="914400" lvl="2" indent="0">
-              <a:buNone/>
-            </a:pPr>
-            <a:r>
-              <a:rPr lang="en-US" sz="2400" b="1" dirty="0" smtClean="0"/>
-              <a:t>*Expected next Period Date will be predicted Like this*</a:t>
-            </a:r>
-            <a:r>
-              <a:rPr lang="en-US" dirty="0" smtClean="0"/>
-              <a:t> </a:t>
-            </a:r>
-            <a:endParaRPr lang="en-US" dirty="0"/>
-          </a:p>
-        </p:txBody>
-      </p:sp>
+        <p:spPr>
+          <a:xfrm>
+            <a:off x="1451579" y="1853754"/>
+            <a:ext cx="9603275" cy="3612591"/>
+          </a:xfrm>
+        </p:spPr>
+        <p:txBody>
+          <a:bodyPr/>
+          <a:lstStyle/>
+          <a:p>
+            <a:r>
+              <a:rPr lang="en-US" smtClean="0">
+                <a:sym typeface="Wingdings" panose="05000000000000000000" pitchFamily="2" charset="2"/>
+              </a:rPr>
+              <a:t>PCA(variance ratio)</a:t>
+            </a:r>
+            <a:endParaRPr lang="en-US" dirty="0" smtClean="0">
+              <a:sym typeface="Wingdings" panose="05000000000000000000" pitchFamily="2" charset="2"/>
+            </a:endParaRPr>
+          </a:p>
+          <a:p>
+            <a:endParaRPr lang="en-US" dirty="0" smtClean="0">
+              <a:sym typeface="Wingdings" panose="05000000000000000000" pitchFamily="2" charset="2"/>
+            </a:endParaRPr>
+          </a:p>
+          <a:p>
+            <a:endParaRPr lang="en-US" dirty="0">
+              <a:sym typeface="Wingdings" panose="05000000000000000000" pitchFamily="2" charset="2"/>
+            </a:endParaRPr>
+          </a:p>
+          <a:p>
+            <a:endParaRPr lang="en-US" dirty="0" smtClean="0">
+              <a:sym typeface="Wingdings" panose="05000000000000000000" pitchFamily="2" charset="2"/>
+            </a:endParaRPr>
+          </a:p>
+          <a:p>
+            <a:r>
+              <a:rPr lang="en-US" dirty="0" smtClean="0">
+                <a:sym typeface="Wingdings" panose="05000000000000000000" pitchFamily="2" charset="2"/>
+              </a:rPr>
+              <a:t>Correlation On Symptoms</a:t>
+            </a:r>
+            <a:endParaRPr lang="en-US" dirty="0">
+              <a:sym typeface="Wingdings" panose="05000000000000000000" pitchFamily="2" charset="2"/>
+            </a:endParaRPr>
+          </a:p>
+          <a:p>
+            <a:endParaRPr lang="en-US" dirty="0"/>
+          </a:p>
+        </p:txBody>
+      </p:sp>
+      <p:sp>
+        <p:nvSpPr>
+          <p:cNvPr id="4" name="AutoShape 1" descr="data:image/png;base64,iVBORw0KGgoAAAANSUhEUgAAAW4AAAE3CAYAAACKI6uwAAAABHNCSVQICAgIfAhkiAAAAAlwSFlzAAALEgAACxIB0t1+/AAAADl0RVh0U29mdHdhcmUAbWF0cGxvdGxpYiB2ZXJzaW9uIDIuMi4yLCBodHRwOi8vbWF0cGxvdGxpYi5vcmcvhp/UCwAAHfVJREFUeJzt3Xm4XVWd5vHvm4RZBpFbKgIGKcYCZQiogCiDNDhQWqBAFSiNbVAZFVtR7AKBBxFRu4pSgZapBRkcqFJsBArCKII3zBAokEGhtAnKJJMGfvXH2ic593Ju7snNXnufdfN+nidP7pn2b+Xk7Pfus/caFBGYmVk5prTdADMzWzQObjOzwji4zcwK4+A2MyuMg9vMrDAObjOzwji4zcwK4+A2MyuMg9vMrDDTcmx0tdVWi+nTp+fYtJnZpDR79uzHI2Kon+dmCe7p06czPDycY9NmZpOSpIf7fa5PlZiZFcbBbWZWGAe3mVlhHNxmZoVxcJuZFcbBbWZWGAe3mVlhHNxmZoXJMgDHzKxp04/42SK/5qET3ttYrcWpN5qD26zyyBHXTuh1a5zwjgm97uijj270dVdcuc6EXrfjDr+e0OteN+vWCb3u99tvOqHXLUkmd3AfvfIEX/fUhF62ydmbTOh1d3z0jgm9bs4GG07odRveM2dCr/vWJ66c0OsOPGWHCb3u63u+b0KvO/yCiyf0OrNSNB7cbX/FMDMrnS9OmpkVxsFtZlYYB7eZWWEc3GZmhXFwm5kVxsFtZlYYB7eZWWEc3GZmhXFwm5kVxsFtZlYYB7eZWWEc3GZmhXFwm5kVxsFtZlYYB7eZWWEc3GZmhelrIQVJDwHPAC8B8yJiRs5GmZnZ2BZlBZztI+LxbC0xM7O++FSJmVlh+g3uAC6TNFvSzF5PkDRT0rCk4blz59bXQjMzG6Hf4N4mIjYHdgUOlLTd6CdExGkRMSMiZgwNDdXaSDMzW6Cv4I6I/6z+fgy4CNgqZ6PMzGxs4wa3pBUkrdj5GdgZuDN3w8zMrLd+epW8FrhIUuf534+In2dtlZmZjWnc4I6IB4C3NNAWMzPrg7sDmpkVxsFtZlYYB7eZWWEc3GZmhXFwm5kVxsFtZlYYB7eZWWEc3GZmhXFwm5kVxsFtZlYYB7eZWWEc3GZmhXFwm5kVxsFtZlYYB7eZWWEc3GZmhXFwm5kVxsFtZlYYB7eZWWEc3GZmhXFwm5kVxsFtZlYYB7eZWWEc3GZmhXFwm5kVxsFtZlYYB7eZWWEc3GZmhek7uCVNlXSLpItzNsjMzBZuUY64DwXm5GqImZn1p6/glrQG8F7gu3mbY2Zm4+n3iPt/A58DXh7rCZJmShqWNDx37txaGmdmZq80bnBLeh/wWETMXtjzIuK0iJgRETOGhoZqa6CZmY3UzxH3NsBukh4Czgd2kHRO1laZmdmYxg3uiPhCRKwREdOBvYArI2Kf7C0zM7Oe3I/bzKww0xblyRFxFXBVlpaYmVlffMRtZlYYB7eZWWEc3GZmhXFwm5kVxsFtZlYYB7eZWWEc3GZmhXFwm5kVxsFtZlYYB7eZWWEc3GZmhXFwm5kVxsFtZlYYB7eZWWEc3GZmhXFwm5kVxsFtZlYYB7eZWWEc3GZmhXFwm5kVxsFtZlYYB7eZWWEc3GZmhXFwm5kVxsFtZlYYB7eZWWEc3GZmhXFwm5kVZtzglrSspJsk3SbpLklfbqJhZmbW27Q+nvMisENE/EnSUsB1ki6JiF9mbpuZmfUwbnBHRAB/qm4uVf2JnI0yM7Ox9XWOW9JUSbcCjwGXR8SNPZ4zU9KwpOG5c+fW3U4zM6v0FdwR8VJEbAqsAWwlaeMezzktImZExIyhoaG622lmZpVF6lUSEU8CVwG7ZGmNmZmNq59eJUOSVql+Xg7YCbgnd8PMzKy3fnqVvB44W9JUUtBfGBEX522WmZmNpZ9eJbcDmzXQFjMz64NHTpqZFcbBbWZWGAe3mVlhHNxmZoVxcJuZFcbBbWZWGAe3mVlhHNxmZoVxcJuZFcbBbWZWGAe3mVlhHNxmZoVxcJuZFcbBbWZWGAe3mVlhHNxmZoVxcJuZFcbBbWZWGAe3mVlhHNxmZoVxcJuZFcbBbWZWGAe3mVlhHNxmZoVxcJuZFcbBbWZWGAe3mVlhxg1uSWtKmiVpjqS7JB3aRMPMzKy3aX08Zx5weETcLGlFYLakyyPi7sxtMzOzHsY94o6I30XEzdXPzwBzgDfkbpiZmfW2SOe4JU0HNgNu7PHYTEnDkobnzp1bT+vMzOwV+g5uSa8CfgQcFhFPj348Ik6LiBkRMWNoaKjONpqZWZe+glvSUqTQPjcifpy3SWZmtjD99CoRcDowJyK+kb9JZma2MP0ccW8D7AvsIOnW6s97MrfLzMzGMG53wIi4DlADbTEzsz545KSZWWEc3GZmhXFwm5kVxsFtZlYYB7eZWWEc3GZmhXFwm5kVxsFtZlYYB7eZWWEc3GZmhXFwm5kVxsFtZlYYB7eZWWEc3GZmhXFwm5kVxsFtZlYYB7eZWWEc3GZmhXFwm5kVxsFtZlYYB7eZWWEc3GZmhXFwm5kVxsFtZlYYB7eZWWEc3GZmhXFwm5kVxsFtZlaYcYNb0hmSHpN0ZxMNMjOzhevniPssYJfM7TAzsz6NG9wRcQ3wxwbaYmZmfajtHLekmZKGJQ3PnTu3rs2amdkotQV3RJwWETMiYsbQ0FBdmzUzs1Hcq8TMrDAObjOzwvTTHfA84AZgfUmPSPpY/maZmdlYpo33hIjYu4mGmJlZf3yqxMysMA5uM7PCOLjNzArj4DYzK4yD28ysMA5uM7PCOLjNzArj4DYzK4yD28ysMA5uM7PCOLjNzArj4DYzK4yD28ysMA5uM7PCOLjNzArj4DYzK4yD28ysMA5uM7PCOLjNzArj4DYzK4yD28ysMA5uM7PCOLjNzArj4DYzK4yD28ysMA5uM7PCOLjNzArj4DYzK0xfwS1pF0n3Srpf0hG5G2VmZmMbN7glTQW+BewKbATsLWmj3A0zM7Pe+jni3gq4PyIeiIg/A+cDf5u3WWZmNhZFxMKfIO0B7BIR/6O6vS/w1og4aNTzZgIzq5vrA/dOoD2rAY9P4HUT0WQt13M911ty6k201hsjYqifJ07r4znqcd8r0j4iTgNO66fomIWk4YiYsTjbGMRarud6rrfk1GuiVj+nSh4B1uy6vQbwn3maY2Zm4+knuH8FrCtpbUlLA3sBP8nbLDMzG8u4p0oiYp6kg4BLganAGRFxV6b2LNaplgGu5Xqu53pLTr3stca9OGlmZoPFIyfNzArj4DYzK4yD28ysMEtMcEs6SNKr226HWdsknSTpb9pux2QiaTlJ6zdVr9XgljRV0tcaKvc64FeSLqwmzeo1sKhWkt4nqbH3WNLGTdVqWvVZOafBelf0c1+N9ZrcF+4BTpN0o6RPSFo5VyFJqy7sT6aaTb6XSHo/cCvw8+r2ppKydpluNbgj4iVgiyZCNCK+BKwLnA7sB9wn6XhJ62Qsu1dV50RJG2as03GKpJskfUrSKrmLSdpG0uWS/kPSA5IelPRAjlrVZ2WoGkuQjaRlq0BZTdKru0JmOrB6rroN7wvfjYhtgI8A04HbJX1f0vYZys0Ghqu/R/8ZzlCv0feycjRpTqcnq/q3kt7XbPoZ8p7bLcC/SfoB8Gznzoj4cd2FIiIk/R74PTAPeDXwQ0mXR8TnMtTbR9JKwN7AmZICOBM4LyKeyVBvW0nrAvsDw5JuAs6MiMvrrlU5Hfg0aSd8KVONbg8B11dHM92flW/UWOMA4DBSSM9mwZQPT5NmycypsX2hmvVzg+rP48BtwGckHRARe9VVJyLWrmtbi6ix9xKYFxFPNfd7YgD6cUs6s8fdERH711znEOCjpA/pd4F/jYi/VKcy7ouIbEfeklYD9iEFwhzgr4F/joiTM9WbCnwA+GdS4Aj4Yt0fWkk3RsRb69zmOPWO6nV/RHw5Q62Dc/3/LKRmU/vCN4DdgCuA0yPipq7H7o2I2s7VStogIu6RtHmvxyPi5rpqjarbyHtZ1Tqd9F4eAewOHAIsFRGfqLvW/JptB3dTJH2ZNOrz4R6PbRgRczLU3A3478A6wPeAsyPiMUnLA3Mi4o0113tzVe+9wOWknfJmSasDN9RVr2sn/DBpNO2PgRc7j+faGbvqrxARz47/zMWq8SHg5xHxjKQvAZsDx+X+tzVB0v7A+RHxXI/HVo6Ip2qsdVpEzJQ0q8fDERE71FWrLdX+fCSwM+kg6VLg2Ih4IVvNtoNb0nrAd4DXRsTGVfjsFhHH1VhjCnB7RDR68U7S2aTwvKbHYztGRK0XuyRdA/wf4IcR8fyox/aNiO/VVKfXTtiRbWeU9HbS6ZlXRcRakt4CHBARn8pQ6/aIeLOkbYGvACeRvrVk+4aRe18Y66i3I+PR7xTg7RFxfY7tj1Eze660aRCC+2rgfwKnRsRm1X131h2yks4FvhARv6lzuwupNxW4NCJ2aqLekkDSjcAewE9yflaq7d4SEZtJ+gpwR0R8v3Nf3bW6ambdF9r6hVvVviEi3p5r+z3qNZIr1XbXAz5LuiA5/7phzvdzEC5OLh8RN406sT8vQ53XA3dVF+y6L1bslqEWEfGSpOfq/uq5MNWFya+Qlphbtqstb8pU73jgxIh4srr9auDwqgdPFhHx21GflVwXRR+VdCqwE/BVScuQvxdW1n0hInL0GunXZZJ2B34czRwtNpUrAD8ATiFdO2viIv1ABPfjVZe8gPkr7vwuQ53aL2D14QXgDkmXM/KXxSGZ6p0JHAV8E9iedL4756XuXSPii50bEfGEpPcAuYL7t5K2BqLqFngI6WJvDh8GdgFOiognJb2edASXUyP7gqSP9Lo/Iv5v3bW6fAZYAXhJ0vOkz2VExEqZ6jWVK5B6lXwn07Z7GoRTJW8iTYO4NfAE8CDwD70uIpZG0kd73R8RZ2eqNzsitpB0R0RsUt13bUS8I1O924EtI+LF6vZywHBEZBmVV/XO+SfSUfAU0kWgQyPiDxlqrdXr/pyn2praFyR195ZZFtgRuDki9qizTpuazBVJRwOPARcx8iL9H+uuNb9m28HdIWkFYEqO/s3V9t8GnAxsCCxN6g3xbMbf+I2TdD3wDuCHwJXAo8AJdXbvGlXvc6RuZWeSjmz2J51/PjFHvSZJuoP0bxIp3NYG7s31S2lU7az7Qo96KwPfy3XasKvO3wHbkt7XayPiX3PWq2pmfy8lPdjj7sh1ihIGILglvYb09b7zH3odcEzdR1GShkkjGX8AzCCNGlu3+6t+3Vo457wl6dTBKsCxwMqkc9C/zFGvqrkL6QhYwGURcWnGWm8iHXG/jfRZuQH4dERkGa05qvbmpB4sB2Ss0ci+0KPuUqReV9lG90r6Nmn8wnnVXXsCv46IAzPVa+W9bMogBPflwDVAZx6KfwDeVXdvDFULeHa6eVX3/SIitq6zzqia17HgnPP7qc45R0TPgSQlaaPXjKRfkkYvdnb+vYCDc3bRG1X/5ohYaJe6xdx+U/vCT1mw4PdU0oHFhRHx+TrrjKp5F7Bx58Jk1UXwjoyn1Rp5L6tajV8zGISLk6tGxLFdt4+T9IEMdZ6rLmjdKulE0oWKFTLU6bZcRFwhSdW5taMlXUsK89ponAltcnwFbqPXDOmXXndf9HOUltWrv5D0ma6bU0gDcObmqNWlqX3hJBYE9zzg4Yh4NEOdbvcCawGdc8xrArdnrNfUewmwZdfP868ZAJM6uGdJ2gu4sLq9B/CzDHX2JR1dHESaX2NN0vDUnF6ojizuqwLmUeCvMtR5O/Bb0pHojeTtSdKtkV4zWjCL3CxJRwDnk4JnT/J8VgBW7Pp5XlXnR5lqdWTdFyQ9w4Lz9t1C0ovAr4Ej6x4YVnkNMKfqjgsp7G7oHHRkOLhoKleIiIO7b3euGeSoNb9GW6dKRn2IVgBerh6aAvxpMlw0bOqcc3Xa4t2kyazeTPqAnhf5FnXu1G2k10x18adX4FTl8l0EasIg7AvVZ2hj4NxMg1Te2X2TdO55b+BTABFxdU11BuG9zH/NoO1z3E3p2vlHKH2nH60aKLI38DXSxZhGJ0qaLMY4/fQUaSrSUyPjPBRtUpod8NRM294U+HtSH/kHSYNxiv98tnHNYBBOlXQmR5rOyOGidU+/OKPr52WBDwFZJnLvqIYY9/plUftQ2Cqw30sK7emkmQFzTGHZXbPpXjNTSf/G6Yz8rNQ5rWvHg8AQI3tB/H9gPdJ8MPtmqNnUvjCmukO7Gg6+F+lz+QfgAtIBY/ZRnEqTvG1X3bwqIi7OVKrxawatH3FLOoP09f4uFnyticgw/WKP2tdFxLYZt79F181lSefU50XNc38rTWa1MXAJada3O+vc/kLqNtprRtL/ozqvzoLPSq5pXa+JiO163Sfprhy9IdrcF3KR9DJwLfCxiLi/uu+B3N90JZ1AOo9+bnXX3sDsiDiixhpjXjMgDcTJds1gEIL77ojYqIE63d24ppCOwD8ZEW/JXXtUO66OiHeO/8xF2ubLLLg42P0fmnVYcRsjNTtdOXOTNAf4b52RktVIyp9HxEbKNNlUU/tCkyR9kHTEvTVpaa/zge9G5gUWqlG9m0bEy9XtqcAtDX5+sl4zGIRTJTdI2igi7s5c5+tdP88jraby4ZwFNXJNvSnAFqS1L2sVEW0tQddUr5mOSyTtHBGXZazRcThwnaRfk34Brg18qhqJl2XKAprbFxoTERcBF1Xv2wdIPbpeK+k7wEWZ/y9XATrDzrOtq9lLpOXTbhs1vUBtBuGIezvgp6TlxF5kwVFiI78ZcxrVG2Ie6bzpMRFxXasNq0nTIzWro7dzSL8E/0L+bxTLkJb2EnBP7guSk3lf6FYd0HwI2DPH9Z6qxt7ACcAs0vu4HWk+9fMW+sJCDEJw30+aOWz0ecu6J9ZZhnSOeTojL/wcU2edrnqNTx4/2SktRPwB0oi7rB/cNkbDNbUvLCmUZnTckhTcN0bE71tuUm0G4VTJbyIi61L2lX8jdeeaTdcMXrlExMuSTiINjplU2hipWbkPuDN3aFcaHw1Hc/vCpCfpiojYEfhJj/uKNwjBfY+k75O+InZPiVh3F6g1ImKXmrc5nqYnj29KWyM1fwdcJekSRn5Wau8O2MZoOJrbFyYtScsCywOrKS3s0flsrgSs3lrDajYIwb0c6UO6c9d9Qf19kH8haZOIuKPm7S5M05PHN+V1LBip+fc0NFKTdI3gQdK0vEtnrjXac6Q+3Dk1tS9MZgcAh5FCejYLgvtp0gRlk0Lr57ibIulu0rSSDzKJL/w0rY2RmmpmlffRo+E2JI2Gq60fsOUj6eDJMCpzLK0fcau51Zh3rXl7fVELk8c3oaWRmvNXeQeyrvJOGg3XMY/0i37vDHXma3BfWBK8LGmVGLke6t4R8e2W21WL1o+41eBqzNW2/4qRw7NzLkXV6OTxTWlxpGZjq7xX2x49t8aPIuJfctSq6jW6L0xmkm6NiE1H3Zdl4FQbWj/ipqHVmKt5C75OOvf1GPBGUh/knEtRvZORk8efTerqVbp9SSM11wMO6fq/y34OPzKv8t7m3Bo0uzL5ZDdFkrr2vak0f10km0EI7qZWYz6WtOTVv0fEZpK2J/NXX5qfPL4RLY7UbGKV93tIc2u8v2tujU/XXGMsTa5MPtldBlwo6RTS+/lJ0pD7SWEQgvtA0mrMG0h6lGo15gx1/hIRf5A0RdKUiJgl6asZ6nRf2FqZBZPHB/BW4Bc5ai4hPkFac/INwCOknbPu89u7k464Z0nqzK3RVHfHXvvCPg3Vnmz+F/Bx0mdGpM/K6a22qEaDENwPR8ROyr8a85OSXkU6mjpX0mPk+xp60vhPsQlYPyJG/FKXtA1Q2+jUNufWiLTocRP7wqQlaRpwPGmmyt+SQntN0i/BKdR8aq0tg3Bx8jekrzAXAFfmGqgiaXnSlKAiHcWsRJq5648LfeHi130jaTX5f5e0HDDNO+TEqMdivb3uy1A3+9waVZ3jSXO9dPeEODwivpSr5mQj6ZukZec+3dnPJK1Iur71fEQc2mb76jIIwb0caS7nvUgLsl5M6qlQy0RMWjBn7oi7q79fIOecudLHgZmkhUvXUVp44JTJMuy2KVU3wK1JAyu+2fXQSsAHo+GpeXPp1euhiV9Mk4mk+4D1Rh8AVhcn74mIddtpWb1aP1USEc+TFvS8sDrC+CfgatKghzq2v+JYj3XPmVv9XbcDga1Iw8KJiPuq7oi2aJYm9d2exshFfJ8mdQ+cLKZKWiYiXoT5BzXLtNym0kSvb+0R8ZKkSTPasPXgBjoLie5JGiTzKzLPk92Re85c4MWI+HOne1d1/m3SfHiaEmkh2aslnRURD0taKd096U45nQNcIelM0udkf/LN/T1Z3S3pI6NncZS0D6nH0KQwCKdKHgRuJR11/yT3UOYmSToReBL4CHAwqQfE3RFxZKsNK5SkGcCZLDjqfgrYPyJmt9eqeknaBdiJqidERFzacpOKIukNpBG8z5PmKgnSTI/LkU6rZV0LsimDENwrRcTTrTYik2pO7o+RJg0ScClp2SYfdU+A0nJUB0bEtdXtbYFvT6b5ZkZdzF4emDoJv1lkJ2kH0uA6AXfluIbVpkEI7jWAk4FtSL8drwMOjYhHWm3YYpC0Vs6h9EsqSddHxDbj3VcqX8y2frU1Aq7bmaTJzlcnDaz4aXVfyeZPJCXpR202ZJK5SdKpkt4l6Z3VXDBXSdpcIxeDLtWBpAOYpyFdzCbvGp5WqEG4ODkUEd1BfZakw1prTT26R9q9qbVWTD6dSYOOGnX/1qRva9n6WDfEF7OtL4MQ3I9XV3w7M+h1JvcpWYzxsy2GhiZ6atPVkr4ILCfp3aSL2T9tuU02gAbhHPdawL+QlsMK0lweh0bBC6RKeok0e55IV7Of6zzE5FgBpxWSXksazrx6ROwqaSPSgsyTYg4KX8y2frUe3Gb9Ulpr8kzSSNe3VKcSbomITVpuWm0kDQFExNy222KDq7VTJZL+cSEPR0Qc21hjrBSrRcSFkr4AEBHzqm83RVM6qX0UcBDpSFvVv+vkiDim1cbZQGqzV8mzPf5A+qr4+bYaZQPtWUmvYcF81W8jDcIp3WGk3iRbRsRrImJV0hTA2zQ4F7gVZCBOlVSzdx1KCu0Lga9HxGPttsoGTdXl72TSvDJ3AkPAHhFR9OIUkm4B3h0Rj4+6f4g0enJSLLdl9Wm1H7ekVSUdR1oVZhqweUR83qFt3SRtKel1EXEzaTm4LwIvkibHL3agVpelRoc2zD/PvVQL7bEB11pwS/oaaUKpZ4BNIuLoiHiirfbYQDsV+HP189bAkcC3gCdIK8aU7s8TfMyWUK2dKpH0MumoaR4j+zq7y5yNIOm2zpzbkr4FzI2Io6vbr1jNuzRd3Udf8RCwbET4qNtGaK1XSYsLzlp5pkqaFhHzgB1J83l0DMIgssUSEbXMPW9LjuI/9LZEOI80qvBx0nSdndkB/5rJ0avEbJEMRK8Ss/FUXf9eT+pl8Wx133rAq6qLlmZLDAe3mVlhfJ7ZzKwwDm4zs8I4uM3MCuPgtoEm6bBq7cVFfd1+klZfhOe/S9LF4zxnU0nvWdS2mNXNwW2D7jBgkYJb0lRgP9JyeHXaFHBwW+sc3DYwJK0g6WeSbpN0p6SjSOE7S9Ks6jnfkTQs6S5JX+567UOS/lHSdaRVlGYA50q6VdJyY9TbRdI91Wv+ruv+rST9QtIt1d/rS1oaOAbYs9rmnlV7z5D0q+q5f5vv3TFbwN0BbWBI2h3YJSI+Xt1eGbgNmNGZhEnSqhHxx+qo+grgkIi4XdJDwLcj4sTqeVcBn42I4TFqLQvcR1qn8n7gAmD5iHifpJWA56r5vncCPhkRu0var2rLQdU2jgfujohzJK0C3ARs1ulnbpaLj7htkNwB7CTpq5LeERG9RkV+WNLNwC3A3wAbdT12wSLU2gB4MCLuq5YGO6frsZWBH0i6E/hmVaeXnYEjJN0KXAUsC6y1CG0wmxAPebeBERH/IWkL0nnkr0i6rPtxSWsDnyUtOPCEpLNIYdmxqEe6Y33dPBaYFREflDSdFMq9CNg9Iu5dxLpmi8VH3DYwql4gz0XEOcBJwOakaX9XrJ6yEimcn6oWDt51IZvrfl0v9wBrS1qnur1312MrA49WP++3kG1eChxcLT2GJC94YI1wcNsg2QS4qTr1cCRwHGm+7UskzYqI20inSO4CzgCuX8i2zgJOGeviZES8QJpl8GfVxcmHux4+kXTEfz3QPXPfLGCjzsVJ0pH5UsDt1WkVr5NqjfDFSTOzwviI28ysML44aZOepIuAtUfd/fmIuLSN9pgtLp8qMTMrjE+VmJkVxsFtZlYYB7eZWWEc3GZmhfkvbWA841SmTbgAAAAASUVORK5CYII="/>
+          <p:cNvSpPr>
+            <a:spLocks noChangeAspect="1" noChangeArrowheads="1"/>
+          </p:cNvSpPr>
+          <p:nvPr/>
+        </p:nvSpPr>
+        <p:spPr bwMode="auto">
+          <a:xfrm>
+            <a:off x="-1" y="-1"/>
+            <a:ext cx="3020291" cy="3020291"/>
+          </a:xfrm>
+          <a:prstGeom prst="rect">
+            <a:avLst/>
+          </a:prstGeom>
+          <a:noFill/>
+          <a:extLst>
+            <a:ext uri="{909E8E84-426E-40DD-AFC4-6F175D3DCCD1}">
+              <a14:hiddenFill xmlns:a14="http://schemas.microsoft.com/office/drawing/2010/main">
+                <a:solidFill>
+                  <a:srgbClr val="FFFFFF"/>
+                </a:solidFill>
+              </a14:hiddenFill>
+            </a:ext>
+          </a:extLst>
+        </p:spPr>
+        <p:txBody>
+          <a:bodyPr vert="horz" wrap="square" lIns="91440" tIns="45720" rIns="91440" bIns="45720" numCol="1" anchor="t" anchorCtr="0" compatLnSpc="1">
+            <a:prstTxWarp prst="textNoShape">
+              <a:avLst/>
+            </a:prstTxWarp>
+          </a:bodyPr>
+          <a:lstStyle/>
+          <a:p>
+            <a:endParaRPr lang="en-US"/>
+          </a:p>
+        </p:txBody>
+      </p:sp>
+      <p:pic>
+        <p:nvPicPr>
+          <p:cNvPr id="5" name="Picture 4"/>
+          <p:cNvPicPr>
+            <a:picLocks noChangeAspect="1"/>
+          </p:cNvPicPr>
+          <p:nvPr/>
+        </p:nvPicPr>
+        <p:blipFill>
+          <a:blip r:embed="rId2">
+            <a:extLst>
+              <a:ext uri="{28A0092B-C50C-407E-A947-70E740481C1C}">
+                <a14:useLocalDpi xmlns:a14="http://schemas.microsoft.com/office/drawing/2010/main" val="0"/>
+              </a:ext>
+            </a:extLst>
+          </a:blip>
+          <a:stretch>
+            <a:fillRect/>
+          </a:stretch>
+        </p:blipFill>
+        <p:spPr>
+          <a:xfrm>
+            <a:off x="5769449" y="1910544"/>
+            <a:ext cx="5060368" cy="526477"/>
+          </a:xfrm>
+          <a:prstGeom prst="rect">
+            <a:avLst/>
+          </a:prstGeom>
+        </p:spPr>
+      </p:pic>
+      <p:pic>
+        <p:nvPicPr>
+          <p:cNvPr id="6" name="Picture 5"/>
+          <p:cNvPicPr>
+            <a:picLocks noChangeAspect="1"/>
+          </p:cNvPicPr>
+          <p:nvPr/>
+        </p:nvPicPr>
+        <p:blipFill>
+          <a:blip r:embed="rId3">
+            <a:extLst>
+              <a:ext uri="{28A0092B-C50C-407E-A947-70E740481C1C}">
+                <a14:useLocalDpi xmlns:a14="http://schemas.microsoft.com/office/drawing/2010/main" val="0"/>
+              </a:ext>
+            </a:extLst>
+          </a:blip>
+          <a:stretch>
+            <a:fillRect/>
+          </a:stretch>
+        </p:blipFill>
+        <p:spPr>
+          <a:xfrm>
+            <a:off x="5078627" y="2658274"/>
+            <a:ext cx="5308482" cy="3133111"/>
+          </a:xfrm>
+          <a:prstGeom prst="rect">
+            <a:avLst/>
+          </a:prstGeom>
+        </p:spPr>
+      </p:pic>
     </p:spTree>
     <p:extLst>
       <p:ext uri="{BB962C8B-B14F-4D97-AF65-F5344CB8AC3E}">
-        <p14:creationId xmlns:p14="http://schemas.microsoft.com/office/powerpoint/2010/main" val="100021311"/>
+        <p14:creationId xmlns:p14="http://schemas.microsoft.com/office/powerpoint/2010/main" val="3663692119"/>
       </p:ext>
     </p:extLst>
   </p:cSld>
@@ -4407,46 +4497,6 @@
       </p:grpSpPr>
       <p:sp>
         <p:nvSpPr>
-          <p:cNvPr id="8" name="Rectangle 7"/>
-          <p:cNvSpPr/>
-          <p:nvPr/>
-        </p:nvSpPr>
-        <p:spPr>
-          <a:xfrm>
-            <a:off x="5634681" y="1853754"/>
-            <a:ext cx="5263978" cy="654668"/>
-          </a:xfrm>
-          <a:prstGeom prst="rect">
-            <a:avLst/>
-          </a:prstGeom>
-        </p:spPr>
-        <p:style>
-          <a:lnRef idx="2">
-            <a:schemeClr val="accent1">
-              <a:shade val="50000"/>
-            </a:schemeClr>
-          </a:lnRef>
-          <a:fillRef idx="1">
-            <a:schemeClr val="accent1"/>
-          </a:fillRef>
-          <a:effectRef idx="0">
-            <a:schemeClr val="accent1"/>
-          </a:effectRef>
-          <a:fontRef idx="minor">
-            <a:schemeClr val="lt1"/>
-          </a:fontRef>
-        </p:style>
-        <p:txBody>
-          <a:bodyPr rtlCol="0" anchor="ctr"/>
-          <a:lstStyle/>
-          <a:p>
-            <a:pPr algn="ctr"/>
-            <a:endParaRPr lang="en-US"/>
-          </a:p>
-        </p:txBody>
-      </p:sp>
-      <p:sp>
-        <p:nvSpPr>
           <p:cNvPr id="2" name="Title 1"/>
           <p:cNvSpPr>
             <a:spLocks noGrp="1"/>
@@ -4462,7 +4512,7 @@
           <a:p>
             <a:r>
               <a:rPr lang="en-US" dirty="0" smtClean="0"/>
-              <a:t>Most common occurring Symptoms</a:t>
+              <a:t>symptoms</a:t>
             </a:r>
             <a:endParaRPr lang="en-US" dirty="0"/>
           </a:p>
@@ -4478,163 +4528,34 @@
             <p:ph idx="1"/>
           </p:nvPr>
         </p:nvSpPr>
-        <p:spPr>
-          <a:xfrm>
-            <a:off x="1451579" y="1853754"/>
-            <a:ext cx="9603275" cy="3612591"/>
-          </a:xfrm>
-        </p:spPr>
-        <p:txBody>
-          <a:bodyPr/>
-          <a:lstStyle/>
-          <a:p>
-            <a:r>
-              <a:rPr lang="en-US" dirty="0" err="1" smtClean="0">
-                <a:sym typeface="Wingdings" panose="05000000000000000000" pitchFamily="2" charset="2"/>
-              </a:rPr>
-              <a:t>Dimentionality</a:t>
-            </a:r>
-            <a:r>
-              <a:rPr lang="en-US" dirty="0" smtClean="0">
-                <a:sym typeface="Wingdings" panose="05000000000000000000" pitchFamily="2" charset="2"/>
-              </a:rPr>
-              <a:t> Reduction  (PCA)</a:t>
-            </a:r>
-          </a:p>
-          <a:p>
-            <a:endParaRPr lang="en-US" dirty="0" smtClean="0">
-              <a:sym typeface="Wingdings" panose="05000000000000000000" pitchFamily="2" charset="2"/>
-            </a:endParaRPr>
-          </a:p>
-          <a:p>
-            <a:endParaRPr lang="en-US" dirty="0">
-              <a:sym typeface="Wingdings" panose="05000000000000000000" pitchFamily="2" charset="2"/>
-            </a:endParaRPr>
-          </a:p>
-          <a:p>
-            <a:endParaRPr lang="en-US" dirty="0" smtClean="0">
-              <a:sym typeface="Wingdings" panose="05000000000000000000" pitchFamily="2" charset="2"/>
-            </a:endParaRPr>
-          </a:p>
-          <a:p>
-            <a:r>
-              <a:rPr lang="en-US" dirty="0" smtClean="0">
-                <a:sym typeface="Wingdings" panose="05000000000000000000" pitchFamily="2" charset="2"/>
-              </a:rPr>
-              <a:t>Correlation On Symptoms</a:t>
-            </a:r>
-            <a:endParaRPr lang="en-US" dirty="0">
-              <a:sym typeface="Wingdings" panose="05000000000000000000" pitchFamily="2" charset="2"/>
-            </a:endParaRPr>
-          </a:p>
-          <a:p>
-            <a:endParaRPr lang="en-US" dirty="0"/>
-          </a:p>
-        </p:txBody>
-      </p:sp>
-      <p:sp>
-        <p:nvSpPr>
-          <p:cNvPr id="4" name="AutoShape 1" descr="data:image/png;base64,iVBORw0KGgoAAAANSUhEUgAAAW4AAAE3CAYAAACKI6uwAAAABHNCSVQICAgIfAhkiAAAAAlwSFlzAAALEgAACxIB0t1+/AAAADl0RVh0U29mdHdhcmUAbWF0cGxvdGxpYiB2ZXJzaW9uIDIuMi4yLCBodHRwOi8vbWF0cGxvdGxpYi5vcmcvhp/UCwAAHfVJREFUeJzt3Xm4XVWd5vHvm4RZBpFbKgIGKcYCZQiogCiDNDhQWqBAFSiNbVAZFVtR7AKBBxFRu4pSgZapBRkcqFJsBArCKII3zBAokEGhtAnKJJMGfvXH2ic593Ju7snNXnufdfN+nidP7pn2b+Xk7Pfus/caFBGYmVk5prTdADMzWzQObjOzwji4zcwK4+A2MyuMg9vMrDAObjOzwji4zcwK4+A2MyuMg9vMrDDTcmx0tdVWi+nTp+fYtJnZpDR79uzHI2Kon+dmCe7p06czPDycY9NmZpOSpIf7fa5PlZiZFcbBbWZWGAe3mVlhHNxmZoVxcJuZFcbBbWZWGAe3mVlhHNxmZoXJMgDHzKxp04/42SK/5qET3ttYrcWpN5qD26zyyBHXTuh1a5zwjgm97uijj270dVdcuc6EXrfjDr+e0OteN+vWCb3u99tvOqHXLUkmd3AfvfIEX/fUhF62ydmbTOh1d3z0jgm9bs4GG07odRveM2dCr/vWJ66c0OsOPGWHCb3u63u+b0KvO/yCiyf0OrNSNB7cbX/FMDMrnS9OmpkVxsFtZlYYB7eZWWEc3GZmhXFwm5kVxsFtZlYYB7eZWWEc3GZmhXFwm5kVxsFtZlYYB7eZWWEc3GZmhXFwm5kVxsFtZlYYB7eZWWEc3GZmhelrIQVJDwHPAC8B8yJiRs5GmZnZ2BZlBZztI+LxbC0xM7O++FSJmVlh+g3uAC6TNFvSzF5PkDRT0rCk4blz59bXQjMzG6Hf4N4mIjYHdgUOlLTd6CdExGkRMSMiZgwNDdXaSDMzW6Cv4I6I/6z+fgy4CNgqZ6PMzGxs4wa3pBUkrdj5GdgZuDN3w8zMrLd+epW8FrhIUuf534+In2dtlZmZjWnc4I6IB4C3NNAWMzPrg7sDmpkVxsFtZlYYB7eZWWEc3GZmhXFwm5kVxsFtZlYYB7eZWWEc3GZmhXFwm5kVxsFtZlYYB7eZWWEc3GZmhXFwm5kVxsFtZlYYB7eZWWEc3GZmhXFwm5kVxsFtZlYYB7eZWWEc3GZmhXFwm5kVxsFtZlYYB7eZWWEc3GZmhXFwm5kVxsFtZlYYB7eZWWEc3GZmhek7uCVNlXSLpItzNsjMzBZuUY64DwXm5GqImZn1p6/glrQG8F7gu3mbY2Zm4+n3iPt/A58DXh7rCZJmShqWNDx37txaGmdmZq80bnBLeh/wWETMXtjzIuK0iJgRETOGhoZqa6CZmY3UzxH3NsBukh4Czgd2kHRO1laZmdmYxg3uiPhCRKwREdOBvYArI2Kf7C0zM7Oe3I/bzKww0xblyRFxFXBVlpaYmVlffMRtZlYYB7eZWWEc3GZmhXFwm5kVxsFtZlYYB7eZWWEc3GZmhXFwm5kVxsFtZlYYB7eZWWEc3GZmhXFwm5kVxsFtZlYYB7eZWWEc3GZmhXFwm5kVxsFtZlYYB7eZWWEc3GZmhXFwm5kVxsFtZlYYB7eZWWEc3GZmhXFwm5kVxsFtZlYYB7eZWWEc3GZmhXFwm5kVZtzglrSspJsk3SbpLklfbqJhZmbW27Q+nvMisENE/EnSUsB1ki6JiF9mbpuZmfUwbnBHRAB/qm4uVf2JnI0yM7Ox9XWOW9JUSbcCjwGXR8SNPZ4zU9KwpOG5c+fW3U4zM6v0FdwR8VJEbAqsAWwlaeMezzktImZExIyhoaG622lmZpVF6lUSEU8CVwG7ZGmNmZmNq59eJUOSVql+Xg7YCbgnd8PMzKy3fnqVvB44W9JUUtBfGBEX522WmZmNpZ9eJbcDmzXQFjMz64NHTpqZFcbBbWZWGAe3mVlhHNxmZoVxcJuZFcbBbWZWGAe3mVlhHNxmZoVxcJuZFcbBbWZWGAe3mVlhHNxmZoVxcJuZFcbBbWZWGAe3mVlhHNxmZoVxcJuZFcbBbWZWGAe3mVlhHNxmZoVxcJuZFcbBbWZWGAe3mVlhHNxmZoVxcJuZFcbBbWZWGAe3mVlhxg1uSWtKmiVpjqS7JB3aRMPMzKy3aX08Zx5weETcLGlFYLakyyPi7sxtMzOzHsY94o6I30XEzdXPzwBzgDfkbpiZmfW2SOe4JU0HNgNu7PHYTEnDkobnzp1bT+vMzOwV+g5uSa8CfgQcFhFPj348Ik6LiBkRMWNoaKjONpqZWZe+glvSUqTQPjcifpy3SWZmtjD99CoRcDowJyK+kb9JZma2MP0ccW8D7AvsIOnW6s97MrfLzMzGMG53wIi4DlADbTEzsz545KSZWWEc3GZmhXFwm5kVxsFtZlYYB7eZWWEc3GZmhXFwm5kVxsFtZlYYB7eZWWEc3GZmhXFwm5kVxsFtZlYYB7eZWWEc3GZmhXFwm5kVxsFtZlYYB7eZWWEc3GZmhXFwm5kVxsFtZlYYB7eZWWEc3GZmhXFwm5kVxsFtZlYYB7eZWWEc3GZmhXFwm5kVxsFtZlaYcYNb0hmSHpN0ZxMNMjOzhevniPssYJfM7TAzsz6NG9wRcQ3wxwbaYmZmfajtHLekmZKGJQ3PnTu3rs2amdkotQV3RJwWETMiYsbQ0FBdmzUzs1Hcq8TMrDAObjOzwvTTHfA84AZgfUmPSPpY/maZmdlYpo33hIjYu4mGmJlZf3yqxMysMA5uM7PCOLjNzArj4DYzK4yD28ysMA5uM7PCOLjNzArj4DYzK4yD28ysMA5uM7PCOLjNzArj4DYzK4yD28ysMA5uM7PCOLjNzArj4DYzK4yD28ysMA5uM7PCOLjNzArj4DYzK4yD28ysMA5uM7PCOLjNzArj4DYzK4yD28ysMA5uM7PCOLjNzArj4DYzK0xfwS1pF0n3Srpf0hG5G2VmZmMbN7glTQW+BewKbATsLWmj3A0zM7Pe+jni3gq4PyIeiIg/A+cDf5u3WWZmNhZFxMKfIO0B7BIR/6O6vS/w1og4aNTzZgIzq5vrA/dOoD2rAY9P4HUT0WQt13M911ty6k201hsjYqifJ07r4znqcd8r0j4iTgNO66fomIWk4YiYsTjbGMRarud6rrfk1GuiVj+nSh4B1uy6vQbwn3maY2Zm4+knuH8FrCtpbUlLA3sBP8nbLDMzG8u4p0oiYp6kg4BLganAGRFxV6b2LNaplgGu5Xqu53pLTr3stca9OGlmZoPFIyfNzArj4DYzK4yD28ysMEtMcEs6SNKr226HWdsknSTpb9pux2QiaTlJ6zdVr9XgljRV0tcaKvc64FeSLqwmzeo1sKhWkt4nqbH3WNLGTdVqWvVZOafBelf0c1+N9ZrcF+4BTpN0o6RPSFo5VyFJqy7sT6aaTb6XSHo/cCvw8+r2ppKydpluNbgj4iVgiyZCNCK+BKwLnA7sB9wn6XhJ62Qsu1dV50RJG2as03GKpJskfUrSKrmLSdpG0uWS/kPSA5IelPRAjlrVZ2WoGkuQjaRlq0BZTdKru0JmOrB6rroN7wvfjYhtgI8A04HbJX1f0vYZys0Ghqu/R/8ZzlCv0feycjRpTqcnq/q3kt7XbPoZ8p7bLcC/SfoB8Gznzoj4cd2FIiIk/R74PTAPeDXwQ0mXR8TnMtTbR9JKwN7AmZICOBM4LyKeyVBvW0nrAvsDw5JuAs6MiMvrrlU5Hfg0aSd8KVONbg8B11dHM92flW/UWOMA4DBSSM9mwZQPT5NmycypsX2hmvVzg+rP48BtwGckHRARe9VVJyLWrmtbi6ix9xKYFxFPNfd7YgD6cUs6s8fdERH711znEOCjpA/pd4F/jYi/VKcy7ouIbEfeklYD9iEFwhzgr4F/joiTM9WbCnwA+GdS4Aj4Yt0fWkk3RsRb69zmOPWO6nV/RHw5Q62Dc/3/LKRmU/vCN4DdgCuA0yPipq7H7o2I2s7VStogIu6RtHmvxyPi5rpqjarbyHtZ1Tqd9F4eAewOHAIsFRGfqLvW/JptB3dTJH2ZNOrz4R6PbRgRczLU3A3478A6wPeAsyPiMUnLA3Mi4o0113tzVe+9wOWknfJmSasDN9RVr2sn/DBpNO2PgRc7j+faGbvqrxARz47/zMWq8SHg5xHxjKQvAZsDx+X+tzVB0v7A+RHxXI/HVo6Ip2qsdVpEzJQ0q8fDERE71FWrLdX+fCSwM+kg6VLg2Ih4IVvNtoNb0nrAd4DXRsTGVfjsFhHH1VhjCnB7RDR68U7S2aTwvKbHYztGRK0XuyRdA/wf4IcR8fyox/aNiO/VVKfXTtiRbWeU9HbS6ZlXRcRakt4CHBARn8pQ6/aIeLOkbYGvACeRvrVk+4aRe18Y66i3I+PR7xTg7RFxfY7tj1Eze660aRCC+2rgfwKnRsRm1X131h2yks4FvhARv6lzuwupNxW4NCJ2aqLekkDSjcAewE9yflaq7d4SEZtJ+gpwR0R8v3Nf3bW6ambdF9r6hVvVviEi3p5r+z3qNZIr1XbXAz5LuiA5/7phzvdzEC5OLh8RN406sT8vQ53XA3dVF+y6L1bslqEWEfGSpOfq/uq5MNWFya+Qlphbtqstb8pU73jgxIh4srr9auDwqgdPFhHx21GflVwXRR+VdCqwE/BVScuQvxdW1n0hInL0GunXZZJ2B34czRwtNpUrAD8ATiFdO2viIv1ABPfjVZe8gPkr7vwuQ53aL2D14QXgDkmXM/KXxSGZ6p0JHAV8E9iedL4756XuXSPii50bEfGEpPcAuYL7t5K2BqLqFngI6WJvDh8GdgFOiognJb2edASXUyP7gqSP9Lo/Iv5v3bW6fAZYAXhJ0vOkz2VExEqZ6jWVK5B6lXwn07Z7GoRTJW8iTYO4NfAE8CDwD70uIpZG0kd73R8RZ2eqNzsitpB0R0RsUt13bUS8I1O924EtI+LF6vZywHBEZBmVV/XO+SfSUfAU0kWgQyPiDxlqrdXr/pyn2praFyR195ZZFtgRuDki9qizTpuazBVJRwOPARcx8iL9H+uuNb9m28HdIWkFYEqO/s3V9t8GnAxsCCxN6g3xbMbf+I2TdD3wDuCHwJXAo8AJdXbvGlXvc6RuZWeSjmz2J51/PjFHvSZJuoP0bxIp3NYG7s31S2lU7az7Qo96KwPfy3XasKvO3wHbkt7XayPiX3PWq2pmfy8lPdjj7sh1ihIGILglvYb09b7zH3odcEzdR1GShkkjGX8AzCCNGlu3+6t+3Vo457wl6dTBKsCxwMqkc9C/zFGvqrkL6QhYwGURcWnGWm8iHXG/jfRZuQH4dERkGa05qvbmpB4sB2Ss0ci+0KPuUqReV9lG90r6Nmn8wnnVXXsCv46IAzPVa+W9bMogBPflwDVAZx6KfwDeVXdvDFULeHa6eVX3/SIitq6zzqia17HgnPP7qc45R0TPgSQlaaPXjKRfkkYvdnb+vYCDc3bRG1X/5ohYaJe6xdx+U/vCT1mw4PdU0oHFhRHx+TrrjKp5F7Bx58Jk1UXwjoyn1Rp5L6tajV8zGISLk6tGxLFdt4+T9IEMdZ6rLmjdKulE0oWKFTLU6bZcRFwhSdW5taMlXUsK89ponAltcnwFbqPXDOmXXndf9HOUltWrv5D0ma6bU0gDcObmqNWlqX3hJBYE9zzg4Yh4NEOdbvcCawGdc8xrArdnrNfUewmwZdfP868ZAJM6uGdJ2gu4sLq9B/CzDHX2JR1dHESaX2NN0vDUnF6ojizuqwLmUeCvMtR5O/Bb0pHojeTtSdKtkV4zWjCL3CxJRwDnk4JnT/J8VgBW7Pp5XlXnR5lqdWTdFyQ9w4Lz9t1C0ovAr4Ej6x4YVnkNMKfqjgsp7G7oHHRkOLhoKleIiIO7b3euGeSoNb9GW6dKRn2IVgBerh6aAvxpMlw0bOqcc3Xa4t2kyazeTPqAnhf5FnXu1G2k10x18adX4FTl8l0EasIg7AvVZ2hj4NxMg1Te2X2TdO55b+BTABFxdU11BuG9zH/NoO1z3E3p2vlHKH2nH60aKLI38DXSxZhGJ0qaLMY4/fQUaSrSUyPjPBRtUpod8NRM294U+HtSH/kHSYNxiv98tnHNYBBOlXQmR5rOyOGidU+/OKPr52WBDwFZJnLvqIYY9/plUftQ2Cqw30sK7emkmQFzTGHZXbPpXjNTSf/G6Yz8rNQ5rWvHg8AQI3tB/H9gPdJ8MPtmqNnUvjCmukO7Gg6+F+lz+QfgAtIBY/ZRnEqTvG1X3bwqIi7OVKrxawatH3FLOoP09f4uFnyticgw/WKP2tdFxLYZt79F181lSefU50XNc38rTWa1MXAJada3O+vc/kLqNtprRtL/ozqvzoLPSq5pXa+JiO163Sfprhy9IdrcF3KR9DJwLfCxiLi/uu+B3N90JZ1AOo9+bnXX3sDsiDiixhpjXjMgDcTJds1gEIL77ojYqIE63d24ppCOwD8ZEW/JXXtUO66OiHeO/8xF2ubLLLg42P0fmnVYcRsjNTtdOXOTNAf4b52RktVIyp9HxEbKNNlUU/tCkyR9kHTEvTVpaa/zge9G5gUWqlG9m0bEy9XtqcAtDX5+sl4zGIRTJTdI2igi7s5c5+tdP88jraby4ZwFNXJNvSnAFqS1L2sVEW0tQddUr5mOSyTtHBGXZazRcThwnaRfk34Brg18qhqJl2XKAprbFxoTERcBF1Xv2wdIPbpeK+k7wEWZ/y9XATrDzrOtq9lLpOXTbhs1vUBtBuGIezvgp6TlxF5kwVFiI78ZcxrVG2Ie6bzpMRFxXasNq0nTIzWro7dzSL8E/0L+bxTLkJb2EnBP7guSk3lf6FYd0HwI2DPH9Z6qxt7ACcAs0vu4HWk+9fMW+sJCDEJw30+aOWz0ecu6J9ZZhnSOeTojL/wcU2edrnqNTx4/2SktRPwB0oi7rB/cNkbDNbUvLCmUZnTckhTcN0bE71tuUm0G4VTJbyIi61L2lX8jdeeaTdcMXrlExMuSTiINjplU2hipWbkPuDN3aFcaHw1Hc/vCpCfpiojYEfhJj/uKNwjBfY+k75O+InZPiVh3F6g1ImKXmrc5nqYnj29KWyM1fwdcJekSRn5Wau8O2MZoOJrbFyYtScsCywOrKS3s0flsrgSs3lrDajYIwb0c6UO6c9d9Qf19kH8haZOIuKPm7S5M05PHN+V1LBip+fc0NFKTdI3gQdK0vEtnrjXac6Q+3Dk1tS9MZgcAh5FCejYLgvtp0gRlk0Lr57ibIulu0rSSDzKJL/w0rY2RmmpmlffRo+E2JI2Gq60fsOUj6eDJMCpzLK0fcau51Zh3rXl7fVELk8c3oaWRmvNXeQeyrvJOGg3XMY/0i37vDHXma3BfWBK8LGmVGLke6t4R8e2W21WL1o+41eBqzNW2/4qRw7NzLkXV6OTxTWlxpGZjq7xX2x49t8aPIuJfctSq6jW6L0xmkm6NiE1H3Zdl4FQbWj/ipqHVmKt5C75OOvf1GPBGUh/knEtRvZORk8efTerqVbp9SSM11wMO6fq/y34OPzKv8t7m3Bo0uzL5ZDdFkrr2vak0f10km0EI7qZWYz6WtOTVv0fEZpK2J/NXX5qfPL4RLY7UbGKV93tIc2u8v2tujU/XXGMsTa5MPtldBlwo6RTS+/lJ0pD7SWEQgvtA0mrMG0h6lGo15gx1/hIRf5A0RdKUiJgl6asZ6nRf2FqZBZPHB/BW4Bc5ai4hPkFac/INwCOknbPu89u7k464Z0nqzK3RVHfHXvvCPg3Vnmz+F/Bx0mdGpM/K6a22qEaDENwPR8ROyr8a85OSXkU6mjpX0mPk+xp60vhPsQlYPyJG/FKXtA1Q2+jUNufWiLTocRP7wqQlaRpwPGmmyt+SQntN0i/BKdR8aq0tg3Bx8jekrzAXAFfmGqgiaXnSlKAiHcWsRJq5648LfeHi130jaTX5f5e0HDDNO+TEqMdivb3uy1A3+9waVZ3jSXO9dPeEODwivpSr5mQj6ZukZec+3dnPJK1Iur71fEQc2mb76jIIwb0caS7nvUgLsl5M6qlQy0RMWjBn7oi7q79fIOecudLHgZmkhUvXUVp44JTJMuy2KVU3wK1JAyu+2fXQSsAHo+GpeXPp1euhiV9Mk4mk+4D1Rh8AVhcn74mIddtpWb1aP1USEc+TFvS8sDrC+CfgatKghzq2v+JYj3XPmVv9XbcDga1Iw8KJiPuq7oi2aJYm9d2exshFfJ8mdQ+cLKZKWiYiXoT5BzXLtNym0kSvb+0R8ZKkSTPasPXgBjoLie5JGiTzKzLPk92Re85c4MWI+HOne1d1/m3SfHiaEmkh2aslnRURD0taKd096U45nQNcIelM0udkf/LN/T1Z3S3pI6NncZS0D6nH0KQwCKdKHgRuJR11/yT3UOYmSToReBL4CHAwqQfE3RFxZKsNK5SkGcCZLDjqfgrYPyJmt9eqeknaBdiJqidERFzacpOKIukNpBG8z5PmKgnSTI/LkU6rZV0LsimDENwrRcTTrTYik2pO7o+RJg0ScClp2SYfdU+A0nJUB0bEtdXtbYFvT6b5ZkZdzF4emDoJv1lkJ2kH0uA6AXfluIbVpkEI7jWAk4FtSL8drwMOjYhHWm3YYpC0Vs6h9EsqSddHxDbj3VcqX8y2frU1Aq7bmaTJzlcnDaz4aXVfyeZPJCXpR202ZJK5SdKpkt4l6Z3VXDBXSdpcIxeDLtWBpAOYpyFdzCbvGp5WqEG4ODkUEd1BfZakw1prTT26R9q9qbVWTD6dSYOOGnX/1qRva9n6WDfEF7OtL4MQ3I9XV3w7M+h1JvcpWYzxsy2GhiZ6atPVkr4ILCfp3aSL2T9tuU02gAbhHPdawL+QlsMK0lweh0bBC6RKeok0e55IV7Of6zzE5FgBpxWSXksazrx6ROwqaSPSgsyTYg4KX8y2frUe3Gb9Ulpr8kzSSNe3VKcSbomITVpuWm0kDQFExNy222KDq7VTJZL+cSEPR0Qc21hjrBSrRcSFkr4AEBHzqm83RVM6qX0UcBDpSFvVv+vkiDim1cbZQGqzV8mzPf5A+qr4+bYaZQPtWUmvYcF81W8jDcIp3WGk3iRbRsRrImJV0hTA2zQ4F7gVZCBOlVSzdx1KCu0Lga9HxGPttsoGTdXl72TSvDJ3AkPAHhFR9OIUkm4B3h0Rj4+6f4g0enJSLLdl9Wm1H7ekVSUdR1oVZhqweUR83qFt3SRtKel1EXEzaTm4LwIvkibHL3agVpelRoc2zD/PvVQL7bEB11pwS/oaaUKpZ4BNIuLoiHiirfbYQDsV+HP189bAkcC3gCdIK8aU7s8TfMyWUK2dKpH0MumoaR4j+zq7y5yNIOm2zpzbkr4FzI2Io6vbr1jNuzRd3Udf8RCwbET4qNtGaK1XSYsLzlp5pkqaFhHzgB1J83l0DMIgssUSEbXMPW9LjuI/9LZEOI80qvBx0nSdndkB/5rJ0avEbJEMRK8Ss/FUXf9eT+pl8Wx133rAq6qLlmZLDAe3mVlhfJ7ZzKwwDm4zs8I4uM3MCuPgtoEm6bBq7cVFfd1+klZfhOe/S9LF4zxnU0nvWdS2mNXNwW2D7jBgkYJb0lRgP9JyeHXaFHBwW+sc3DYwJK0g6WeSbpN0p6SjSOE7S9Ks6jnfkTQs6S5JX+567UOS/lHSdaRVlGYA50q6VdJyY9TbRdI91Wv+ruv+rST9QtIt1d/rS1oaOAbYs9rmnlV7z5D0q+q5f5vv3TFbwN0BbWBI2h3YJSI+Xt1eGbgNmNGZhEnSqhHxx+qo+grgkIi4XdJDwLcj4sTqeVcBn42I4TFqLQvcR1qn8n7gAmD5iHifpJWA56r5vncCPhkRu0var2rLQdU2jgfujohzJK0C3ARs1ulnbpaLj7htkNwB7CTpq5LeERG9RkV+WNLNwC3A3wAbdT12wSLU2gB4MCLuq5YGO6frsZWBH0i6E/hmVaeXnYEjJN0KXAUsC6y1CG0wmxAPebeBERH/IWkL0nnkr0i6rPtxSWsDnyUtOPCEpLNIYdmxqEe6Y33dPBaYFREflDSdFMq9CNg9Iu5dxLpmi8VH3DYwql4gz0XEOcBJwOakaX9XrJ6yEimcn6oWDt51IZvrfl0v9wBrS1qnur1312MrA49WP++3kG1eChxcLT2GJC94YI1wcNsg2QS4qTr1cCRwHGm+7UskzYqI20inSO4CzgCuX8i2zgJOGeviZES8QJpl8GfVxcmHux4+kXTEfz3QPXPfLGCjzsVJ0pH5UsDt1WkVr5NqjfDFSTOzwviI28ysML44aZOepIuAtUfd/fmIuLSN9pgtLp8qMTMrjE+VmJkVxsFtZlYYB7eZWWEc3GZmhfkvbWA841SmTbgAAAAASUVORK5CYII="/>
-          <p:cNvSpPr>
-            <a:spLocks noChangeAspect="1" noChangeArrowheads="1"/>
-          </p:cNvSpPr>
-          <p:nvPr/>
-        </p:nvSpPr>
-        <p:spPr bwMode="auto">
-          <a:xfrm>
-            <a:off x="-1" y="-1"/>
-            <a:ext cx="3020291" cy="3020291"/>
-          </a:xfrm>
-          <a:prstGeom prst="rect">
-            <a:avLst/>
-          </a:prstGeom>
-          <a:noFill/>
-          <a:extLst>
-            <a:ext uri="{909E8E84-426E-40DD-AFC4-6F175D3DCCD1}">
-              <a14:hiddenFill xmlns:a14="http://schemas.microsoft.com/office/drawing/2010/main">
-                <a:solidFill>
-                  <a:srgbClr val="FFFFFF"/>
-                </a:solidFill>
-              </a14:hiddenFill>
-            </a:ext>
-          </a:extLst>
-        </p:spPr>
-        <p:txBody>
-          <a:bodyPr vert="horz" wrap="square" lIns="91440" tIns="45720" rIns="91440" bIns="45720" numCol="1" anchor="t" anchorCtr="0" compatLnSpc="1">
-            <a:prstTxWarp prst="textNoShape">
-              <a:avLst/>
-            </a:prstTxWarp>
-          </a:bodyPr>
-          <a:lstStyle/>
-          <a:p>
-            <a:endParaRPr lang="en-US"/>
-          </a:p>
-        </p:txBody>
-      </p:sp>
-      <p:pic>
-        <p:nvPicPr>
-          <p:cNvPr id="5" name="Picture 4"/>
-          <p:cNvPicPr>
-            <a:picLocks noChangeAspect="1"/>
-          </p:cNvPicPr>
-          <p:nvPr/>
-        </p:nvPicPr>
-        <p:blipFill>
-          <a:blip r:embed="rId2">
-            <a:extLst>
-              <a:ext uri="{28A0092B-C50C-407E-A947-70E740481C1C}">
-                <a14:useLocalDpi xmlns:a14="http://schemas.microsoft.com/office/drawing/2010/main" val="0"/>
-              </a:ext>
-            </a:extLst>
-          </a:blip>
-          <a:stretch>
-            <a:fillRect/>
-          </a:stretch>
-        </p:blipFill>
-        <p:spPr>
-          <a:xfrm>
-            <a:off x="5769449" y="1910544"/>
-            <a:ext cx="5060368" cy="526477"/>
-          </a:xfrm>
-          <a:prstGeom prst="rect">
-            <a:avLst/>
-          </a:prstGeom>
-        </p:spPr>
-      </p:pic>
-      <p:pic>
-        <p:nvPicPr>
-          <p:cNvPr id="6" name="Picture 5"/>
-          <p:cNvPicPr>
-            <a:picLocks noChangeAspect="1"/>
-          </p:cNvPicPr>
-          <p:nvPr/>
-        </p:nvPicPr>
-        <p:blipFill>
-          <a:blip r:embed="rId3">
-            <a:extLst>
-              <a:ext uri="{28A0092B-C50C-407E-A947-70E740481C1C}">
-                <a14:useLocalDpi xmlns:a14="http://schemas.microsoft.com/office/drawing/2010/main" val="0"/>
-              </a:ext>
-            </a:extLst>
-          </a:blip>
-          <a:stretch>
-            <a:fillRect/>
-          </a:stretch>
-        </p:blipFill>
-        <p:spPr>
-          <a:xfrm>
-            <a:off x="5078627" y="2658274"/>
-            <a:ext cx="5308482" cy="3133111"/>
-          </a:xfrm>
-          <a:prstGeom prst="rect">
-            <a:avLst/>
-          </a:prstGeom>
-        </p:spPr>
-      </p:pic>
+        <p:spPr/>
+        <p:txBody>
+          <a:bodyPr/>
+          <a:lstStyle/>
+          <a:p>
+            <a:r>
+              <a:rPr lang="en-US" b="1" dirty="0" smtClean="0"/>
+              <a:t>Based on Correlation matrix and PCA</a:t>
+            </a:r>
+          </a:p>
+          <a:p>
+            <a:pPr lvl="1"/>
+            <a:r>
+              <a:rPr lang="en-US" dirty="0" smtClean="0"/>
+              <a:t>We can represent entire data using 3 </a:t>
+            </a:r>
+            <a:r>
+              <a:rPr lang="en-US" dirty="0" err="1" smtClean="0"/>
+              <a:t>axises</a:t>
+            </a:r>
+            <a:endParaRPr lang="en-US" dirty="0"/>
+          </a:p>
+        </p:txBody>
+      </p:sp>
     </p:spTree>
     <p:extLst>
       <p:ext uri="{BB962C8B-B14F-4D97-AF65-F5344CB8AC3E}">
-        <p14:creationId xmlns:p14="http://schemas.microsoft.com/office/powerpoint/2010/main" val="3663692119"/>
+        <p14:creationId xmlns:p14="http://schemas.microsoft.com/office/powerpoint/2010/main" val="5052652"/>
       </p:ext>
     </p:extLst>
   </p:cSld>
@@ -4678,7 +4599,7 @@
           <a:p>
             <a:r>
               <a:rPr lang="en-US" dirty="0" smtClean="0"/>
-              <a:t>symptoms</a:t>
+              <a:t>Proposed Method</a:t>
             </a:r>
             <a:endParaRPr lang="en-US" dirty="0"/>
           </a:p>
@@ -4699,48 +4620,94 @@
           <a:bodyPr/>
           <a:lstStyle/>
           <a:p>
-            <a:r>
-              <a:rPr lang="en-US" b="1" dirty="0" smtClean="0"/>
-              <a:t>Based on Correlation matrix and </a:t>
-            </a:r>
-            <a:r>
-              <a:rPr lang="en-US" b="1" dirty="0" err="1" smtClean="0"/>
-              <a:t>pca</a:t>
-            </a:r>
-            <a:endParaRPr lang="en-US" b="1" dirty="0" smtClean="0"/>
-          </a:p>
-          <a:p>
-            <a:pPr lvl="1"/>
-            <a:r>
-              <a:rPr lang="en-US" dirty="0" smtClean="0"/>
-              <a:t>highly </a:t>
-            </a:r>
-            <a:r>
-              <a:rPr lang="en-US" dirty="0"/>
-              <a:t>correlated columns are</a:t>
-            </a:r>
-            <a:r>
-              <a:rPr lang="en-US" b="1" dirty="0"/>
-              <a:t>: "backache ,</a:t>
-            </a:r>
-            <a:r>
-              <a:rPr lang="en-US" b="1" dirty="0" err="1"/>
-              <a:t>bloating,dizzy</a:t>
-            </a:r>
-            <a:r>
-              <a:rPr lang="en-US" b="1" dirty="0"/>
-              <a:t>"</a:t>
-            </a:r>
-          </a:p>
-          <a:p>
-            <a:endParaRPr lang="en-US" dirty="0"/>
+            <a:pPr>
+              <a:buFont typeface="Wingdings" panose="05000000000000000000" pitchFamily="2" charset="2"/>
+              <a:buChar char="à"/>
+            </a:pPr>
+            <a:r>
+              <a:rPr lang="en-US" dirty="0" smtClean="0">
+                <a:sym typeface="Wingdings" panose="05000000000000000000" pitchFamily="2" charset="2"/>
+              </a:rPr>
+              <a:t> Collect pre-period data (</a:t>
+            </a:r>
+            <a:r>
+              <a:rPr lang="en-US" dirty="0" err="1" smtClean="0">
+                <a:sym typeface="Wingdings" panose="05000000000000000000" pitchFamily="2" charset="2"/>
+              </a:rPr>
+              <a:t>backache,etc</a:t>
+            </a:r>
+            <a:r>
+              <a:rPr lang="en-US" dirty="0" smtClean="0">
+                <a:sym typeface="Wingdings" panose="05000000000000000000" pitchFamily="2" charset="2"/>
+              </a:rPr>
+              <a:t>…)</a:t>
+            </a:r>
+          </a:p>
+          <a:p>
+            <a:pPr>
+              <a:buFont typeface="Wingdings" panose="05000000000000000000" pitchFamily="2" charset="2"/>
+              <a:buChar char="à"/>
+            </a:pPr>
+            <a:r>
+              <a:rPr lang="en-US" dirty="0" smtClean="0">
+                <a:sym typeface="Wingdings" panose="05000000000000000000" pitchFamily="2" charset="2"/>
+              </a:rPr>
+              <a:t> based on </a:t>
+            </a:r>
+            <a:r>
+              <a:rPr lang="en-US" dirty="0" err="1" smtClean="0">
+                <a:sym typeface="Wingdings" panose="05000000000000000000" pitchFamily="2" charset="2"/>
+              </a:rPr>
+              <a:t>seviourness</a:t>
+            </a:r>
+            <a:r>
+              <a:rPr lang="en-US" dirty="0" smtClean="0">
+                <a:sym typeface="Wingdings" panose="05000000000000000000" pitchFamily="2" charset="2"/>
+              </a:rPr>
+              <a:t> of the symptoms from pre-period data we might be able to predict the number of days before next period.</a:t>
+            </a:r>
+          </a:p>
+          <a:p>
+            <a:pPr>
+              <a:buFont typeface="Wingdings" panose="05000000000000000000" pitchFamily="2" charset="2"/>
+              <a:buChar char="à"/>
+            </a:pPr>
+            <a:endParaRPr lang="en-US" dirty="0" smtClean="0">
+              <a:sym typeface="Wingdings" panose="05000000000000000000" pitchFamily="2" charset="2"/>
+            </a:endParaRPr>
+          </a:p>
+          <a:p>
+            <a:pPr>
+              <a:buFont typeface="Wingdings" panose="05000000000000000000" pitchFamily="2" charset="2"/>
+              <a:buChar char="à"/>
+            </a:pPr>
+            <a:endParaRPr lang="en-US" dirty="0">
+              <a:sym typeface="Wingdings" panose="05000000000000000000" pitchFamily="2" charset="2"/>
+            </a:endParaRPr>
+          </a:p>
+          <a:p>
+            <a:pPr>
+              <a:buFont typeface="Wingdings" panose="05000000000000000000" pitchFamily="2" charset="2"/>
+              <a:buChar char="à"/>
+            </a:pPr>
+            <a:endParaRPr lang="en-US" dirty="0" smtClean="0">
+              <a:sym typeface="Wingdings" panose="05000000000000000000" pitchFamily="2" charset="2"/>
+            </a:endParaRPr>
+          </a:p>
+          <a:p>
+            <a:pPr marL="0" indent="0">
+              <a:buNone/>
+            </a:pPr>
+            <a:endParaRPr lang="en-US" dirty="0" smtClean="0">
+              <a:sym typeface="Wingdings" panose="05000000000000000000" pitchFamily="2" charset="2"/>
+            </a:endParaRPr>
           </a:p>
         </p:txBody>
       </p:sp>
     </p:spTree>
     <p:extLst>
       <p:ext uri="{BB962C8B-B14F-4D97-AF65-F5344CB8AC3E}">
-        <p14:creationId xmlns:p14="http://schemas.microsoft.com/office/powerpoint/2010/main" val="5052652"/>
+        <p14:creationId xmlns:p14="http://schemas.microsoft.com/office/powerpoint/2010/main" val="718993693"/>
       </p:ext>
     </p:extLst>
   </p:cSld>
